--- a/img/drawing.pptx
+++ b/img/drawing.pptx
@@ -104,6 +104,11 @@
       </a:defRPr>
     </a:lvl9pPr>
   </p:defaultTextStyle>
+  <p:extLst>
+    <p:ext uri="{EFAFB233-063F-42B5-8137-9DF3F51BA10A}">
+      <p15:sldGuideLst xmlns:p15="http://schemas.microsoft.com/office/powerpoint/2012/main"/>
+    </p:ext>
+  </p:extLst>
 </p:presentation>
 </file>
 
@@ -3766,7 +3771,7 @@
         </p:nvCxnSpPr>
         <p:spPr>
           <a:xfrm flipV="1">
-            <a:off x="809697" y="1921954"/>
+            <a:off x="5345121" y="1867090"/>
             <a:ext cx="0" cy="480568"/>
           </a:xfrm>
           <a:prstGeom prst="line">
@@ -3805,7 +3810,7 @@
         </p:nvCxnSpPr>
         <p:spPr>
           <a:xfrm>
-            <a:off x="800173" y="1931478"/>
+            <a:off x="5335597" y="1876614"/>
             <a:ext cx="685133" cy="0"/>
           </a:xfrm>
           <a:prstGeom prst="line">
@@ -3844,7 +3849,7 @@
         </p:nvCxnSpPr>
         <p:spPr>
           <a:xfrm flipV="1">
-            <a:off x="1474430" y="1592580"/>
+            <a:off x="6009854" y="1537716"/>
             <a:ext cx="476646" cy="342424"/>
           </a:xfrm>
           <a:prstGeom prst="line">
@@ -3883,7 +3888,7 @@
         </p:nvCxnSpPr>
         <p:spPr>
           <a:xfrm>
-            <a:off x="1969223" y="1856358"/>
+            <a:off x="6504647" y="1801494"/>
             <a:ext cx="907415" cy="0"/>
           </a:xfrm>
           <a:prstGeom prst="line">
@@ -3922,7 +3927,7 @@
         </p:nvSpPr>
         <p:spPr>
           <a:xfrm>
-            <a:off x="1892656" y="1536701"/>
+            <a:off x="6428080" y="1481837"/>
             <a:ext cx="116840" cy="111756"/>
           </a:xfrm>
           <a:prstGeom prst="ellipse">
@@ -3978,7 +3983,7 @@
         </p:nvSpPr>
         <p:spPr>
           <a:xfrm>
-            <a:off x="1940013" y="1800480"/>
+            <a:off x="6475437" y="1745616"/>
             <a:ext cx="116840" cy="111756"/>
           </a:xfrm>
           <a:prstGeom prst="ellipse">
@@ -4032,7 +4037,7 @@
         </p:nvSpPr>
         <p:spPr>
           <a:xfrm>
-            <a:off x="859566" y="1613264"/>
+            <a:off x="5394990" y="1558400"/>
             <a:ext cx="588816" cy="369332"/>
           </a:xfrm>
           <a:prstGeom prst="rect">
@@ -4072,8 +4077,8 @@
         </p:nvSpPr>
         <p:spPr>
           <a:xfrm>
-            <a:off x="1975573" y="1826218"/>
-            <a:ext cx="1065426" cy="369332"/>
+            <a:off x="6510996" y="1771354"/>
+            <a:ext cx="1358285" cy="369332"/>
           </a:xfrm>
           <a:prstGeom prst="rect">
             <a:avLst/>
@@ -4088,7 +4093,7 @@
           <a:p>
             <a:r>
               <a:rPr lang="en-US"/>
-              <a:t>Throw -A</a:t>
+              <a:t>ThrowA(NC)</a:t>
             </a:r>
           </a:p>
         </p:txBody>
@@ -4109,7 +4114,7 @@
         </p:nvCxnSpPr>
         <p:spPr>
           <a:xfrm>
-            <a:off x="1971073" y="1314318"/>
+            <a:off x="6506497" y="1259454"/>
             <a:ext cx="907415" cy="0"/>
           </a:xfrm>
           <a:prstGeom prst="line">
@@ -4148,7 +4153,7 @@
         </p:nvSpPr>
         <p:spPr>
           <a:xfrm>
-            <a:off x="1941863" y="1258440"/>
+            <a:off x="6477287" y="1203576"/>
             <a:ext cx="116840" cy="111756"/>
           </a:xfrm>
           <a:prstGeom prst="ellipse">
@@ -4202,8 +4207,8 @@
         </p:nvSpPr>
         <p:spPr>
           <a:xfrm>
-            <a:off x="1951076" y="971893"/>
-            <a:ext cx="1065426" cy="369332"/>
+            <a:off x="6486500" y="917029"/>
+            <a:ext cx="1731924" cy="369332"/>
           </a:xfrm>
           <a:prstGeom prst="rect">
             <a:avLst/>
@@ -4218,8 +4223,13 @@
           <a:p>
             <a:r>
               <a:rPr lang="en-US"/>
-              <a:t>Throw -B</a:t>
-            </a:r>
+              <a:t>ThrowB(</a:t>
+            </a:r>
+            <a:r>
+              <a:rPr lang="en-US" altLang="zh-CN"/>
+              <a:t>NO)</a:t>
+            </a:r>
+            <a:endParaRPr lang="en-US"/>
           </a:p>
         </p:txBody>
       </p:sp>
@@ -4330,7 +4340,7 @@
         </p:nvSpPr>
         <p:spPr>
           <a:xfrm>
-            <a:off x="788882" y="2693162"/>
+            <a:off x="5324306" y="2638298"/>
             <a:ext cx="116840" cy="111756"/>
           </a:xfrm>
           <a:prstGeom prst="ellipse">
@@ -4384,7 +4394,7 @@
         </p:nvSpPr>
         <p:spPr>
           <a:xfrm>
-            <a:off x="850170" y="2556754"/>
+            <a:off x="5385594" y="2501890"/>
             <a:ext cx="909095" cy="369332"/>
           </a:xfrm>
           <a:prstGeom prst="rect">

--- a/img/drawing.pptx
+++ b/img/drawing.pptx
@@ -6,6 +6,7 @@
   </p:sldMasterIdLst>
   <p:sldIdLst>
     <p:sldId id="256" r:id="rId2"/>
+    <p:sldId id="257" r:id="rId3"/>
   </p:sldIdLst>
   <p:sldSz cx="12192000" cy="6858000"/>
   <p:notesSz cx="6858000" cy="9144000"/>
@@ -3389,7 +3390,7 @@
         </p:nvCxnSpPr>
         <p:spPr>
           <a:xfrm flipV="1">
-            <a:off x="2424781" y="3689794"/>
+            <a:off x="5044343" y="3293301"/>
             <a:ext cx="0" cy="480568"/>
           </a:xfrm>
           <a:prstGeom prst="line">
@@ -3428,7 +3429,7 @@
         </p:nvCxnSpPr>
         <p:spPr>
           <a:xfrm>
-            <a:off x="2415257" y="3699318"/>
+            <a:off x="5034819" y="3302825"/>
             <a:ext cx="685133" cy="0"/>
           </a:xfrm>
           <a:prstGeom prst="line">
@@ -3467,7 +3468,7 @@
         </p:nvCxnSpPr>
         <p:spPr>
           <a:xfrm flipV="1">
-            <a:off x="3089514" y="3360420"/>
+            <a:off x="5709076" y="2963927"/>
             <a:ext cx="476646" cy="342424"/>
           </a:xfrm>
           <a:prstGeom prst="line">
@@ -3506,7 +3507,7 @@
         </p:nvCxnSpPr>
         <p:spPr>
           <a:xfrm>
-            <a:off x="3566160" y="3694558"/>
+            <a:off x="6185722" y="3298065"/>
             <a:ext cx="907415" cy="0"/>
           </a:xfrm>
           <a:prstGeom prst="line">
@@ -3545,7 +3546,7 @@
         </p:nvCxnSpPr>
         <p:spPr>
           <a:xfrm>
-            <a:off x="4463512" y="3694558"/>
+            <a:off x="7083074" y="3298065"/>
             <a:ext cx="0" cy="480568"/>
           </a:xfrm>
           <a:prstGeom prst="line">
@@ -3584,7 +3585,7 @@
         </p:nvSpPr>
         <p:spPr>
           <a:xfrm>
-            <a:off x="3507740" y="3304541"/>
+            <a:off x="6127302" y="2908048"/>
             <a:ext cx="116840" cy="111756"/>
           </a:xfrm>
           <a:prstGeom prst="ellipse">
@@ -3640,7 +3641,7 @@
         </p:nvSpPr>
         <p:spPr>
           <a:xfrm>
-            <a:off x="3536950" y="3638680"/>
+            <a:off x="6156512" y="3242187"/>
             <a:ext cx="116840" cy="111756"/>
           </a:xfrm>
           <a:prstGeom prst="ellipse">
@@ -3694,7 +3695,7 @@
         </p:nvSpPr>
         <p:spPr>
           <a:xfrm>
-            <a:off x="2474650" y="3381104"/>
+            <a:off x="5094212" y="2984611"/>
             <a:ext cx="588816" cy="369332"/>
           </a:xfrm>
           <a:prstGeom prst="rect">
@@ -3734,7 +3735,7 @@
         </p:nvSpPr>
         <p:spPr>
           <a:xfrm>
-            <a:off x="3683000" y="3371578"/>
+            <a:off x="6302562" y="2975085"/>
             <a:ext cx="813467" cy="369332"/>
           </a:xfrm>
           <a:prstGeom prst="rect">
@@ -3771,7 +3772,7 @@
         </p:nvCxnSpPr>
         <p:spPr>
           <a:xfrm flipV="1">
-            <a:off x="5345121" y="1867090"/>
+            <a:off x="4988505" y="1099374"/>
             <a:ext cx="0" cy="480568"/>
           </a:xfrm>
           <a:prstGeom prst="line">
@@ -3809,9 +3810,9 @@
           <p:nvPr/>
         </p:nvCxnSpPr>
         <p:spPr>
-          <a:xfrm>
-            <a:off x="5335597" y="1876614"/>
-            <a:ext cx="685133" cy="0"/>
+          <a:xfrm flipV="1">
+            <a:off x="4983055" y="1099374"/>
+            <a:ext cx="1037675" cy="3526"/>
           </a:xfrm>
           <a:prstGeom prst="line">
             <a:avLst/>
@@ -3849,7 +3850,7 @@
         </p:nvCxnSpPr>
         <p:spPr>
           <a:xfrm flipV="1">
-            <a:off x="6009854" y="1537716"/>
+            <a:off x="6009854" y="760476"/>
             <a:ext cx="476646" cy="342424"/>
           </a:xfrm>
           <a:prstGeom prst="line">
@@ -3888,7 +3889,7 @@
         </p:nvCxnSpPr>
         <p:spPr>
           <a:xfrm>
-            <a:off x="6504647" y="1801494"/>
+            <a:off x="6504647" y="1024254"/>
             <a:ext cx="907415" cy="0"/>
           </a:xfrm>
           <a:prstGeom prst="line">
@@ -3927,7 +3928,7 @@
         </p:nvSpPr>
         <p:spPr>
           <a:xfrm>
-            <a:off x="6428080" y="1481837"/>
+            <a:off x="6428080" y="704597"/>
             <a:ext cx="116840" cy="111756"/>
           </a:xfrm>
           <a:prstGeom prst="ellipse">
@@ -3983,7 +3984,7 @@
         </p:nvSpPr>
         <p:spPr>
           <a:xfrm>
-            <a:off x="6475437" y="1745616"/>
+            <a:off x="6475437" y="968376"/>
             <a:ext cx="116840" cy="111756"/>
           </a:xfrm>
           <a:prstGeom prst="ellipse">
@@ -4037,8 +4038,8 @@
         </p:nvSpPr>
         <p:spPr>
           <a:xfrm>
-            <a:off x="5394990" y="1558400"/>
-            <a:ext cx="588816" cy="369332"/>
+            <a:off x="4925459" y="783710"/>
+            <a:ext cx="1139160" cy="369332"/>
           </a:xfrm>
           <a:prstGeom prst="rect">
             <a:avLst/>
@@ -4057,7 +4058,7 @@
             </a:r>
             <a:r>
               <a:rPr lang="en-US" altLang="zh-CN"/>
-              <a:t>ole</a:t>
+              <a:t>ole(COM)</a:t>
             </a:r>
             <a:endParaRPr lang="en-US"/>
           </a:p>
@@ -4077,7 +4078,7 @@
         </p:nvSpPr>
         <p:spPr>
           <a:xfrm>
-            <a:off x="6510996" y="1771354"/>
+            <a:off x="6510996" y="994114"/>
             <a:ext cx="1358285" cy="369332"/>
           </a:xfrm>
           <a:prstGeom prst="rect">
@@ -4114,7 +4115,7 @@
         </p:nvCxnSpPr>
         <p:spPr>
           <a:xfrm>
-            <a:off x="6506497" y="1259454"/>
+            <a:off x="6506497" y="482214"/>
             <a:ext cx="907415" cy="0"/>
           </a:xfrm>
           <a:prstGeom prst="line">
@@ -4153,7 +4154,7 @@
         </p:nvSpPr>
         <p:spPr>
           <a:xfrm>
-            <a:off x="6477287" y="1203576"/>
+            <a:off x="6477287" y="426336"/>
             <a:ext cx="116840" cy="111756"/>
           </a:xfrm>
           <a:prstGeom prst="ellipse">
@@ -4207,7 +4208,7 @@
         </p:nvSpPr>
         <p:spPr>
           <a:xfrm>
-            <a:off x="6486500" y="917029"/>
+            <a:off x="6486500" y="139789"/>
             <a:ext cx="1731924" cy="369332"/>
           </a:xfrm>
           <a:prstGeom prst="rect">
@@ -4249,7 +4250,7 @@
         </p:nvSpPr>
         <p:spPr>
           <a:xfrm>
-            <a:off x="2363493" y="4538981"/>
+            <a:off x="4983055" y="4142488"/>
             <a:ext cx="116840" cy="111756"/>
           </a:xfrm>
           <a:prstGeom prst="ellipse">
@@ -4303,7 +4304,7 @@
         </p:nvSpPr>
         <p:spPr>
           <a:xfrm>
-            <a:off x="2424781" y="4402573"/>
+            <a:off x="5044343" y="4006080"/>
             <a:ext cx="909095" cy="369332"/>
           </a:xfrm>
           <a:prstGeom prst="rect">
@@ -4340,7 +4341,7 @@
         </p:nvSpPr>
         <p:spPr>
           <a:xfrm>
-            <a:off x="5324306" y="2638298"/>
+            <a:off x="4983055" y="1847348"/>
             <a:ext cx="116840" cy="111756"/>
           </a:xfrm>
           <a:prstGeom prst="ellipse">
@@ -4394,7 +4395,7 @@
         </p:nvSpPr>
         <p:spPr>
           <a:xfrm>
-            <a:off x="5385594" y="2501890"/>
+            <a:off x="5044343" y="1710940"/>
             <a:ext cx="909095" cy="369332"/>
           </a:xfrm>
           <a:prstGeom prst="rect">
@@ -4415,10 +4416,438 @@
           </a:p>
         </p:txBody>
       </p:sp>
+      <p:cxnSp>
+        <p:nvCxnSpPr>
+          <p:cNvPr id="26" name="直接连接符 25">
+            <a:extLst>
+              <a:ext uri="{FF2B5EF4-FFF2-40B4-BE49-F238E27FC236}">
+                <a16:creationId xmlns:a16="http://schemas.microsoft.com/office/drawing/2014/main" id="{016E49D3-3C87-4735-888C-ABC7F17B59C9}"/>
+              </a:ext>
+            </a:extLst>
+          </p:cNvPr>
+          <p:cNvCxnSpPr>
+            <a:cxnSpLocks/>
+          </p:cNvCxnSpPr>
+          <p:nvPr/>
+        </p:nvCxnSpPr>
+        <p:spPr>
+          <a:xfrm flipV="1">
+            <a:off x="5044343" y="5210205"/>
+            <a:ext cx="0" cy="480568"/>
+          </a:xfrm>
+          <a:prstGeom prst="line">
+            <a:avLst/>
+          </a:prstGeom>
+          <a:ln w="19050"/>
+        </p:spPr>
+        <p:style>
+          <a:lnRef idx="1">
+            <a:schemeClr val="accent1"/>
+          </a:lnRef>
+          <a:fillRef idx="0">
+            <a:schemeClr val="accent1"/>
+          </a:fillRef>
+          <a:effectRef idx="0">
+            <a:schemeClr val="accent1"/>
+          </a:effectRef>
+          <a:fontRef idx="minor">
+            <a:schemeClr val="tx1"/>
+          </a:fontRef>
+        </p:style>
+      </p:cxnSp>
+      <p:cxnSp>
+        <p:nvCxnSpPr>
+          <p:cNvPr id="27" name="直接连接符 26">
+            <a:extLst>
+              <a:ext uri="{FF2B5EF4-FFF2-40B4-BE49-F238E27FC236}">
+                <a16:creationId xmlns:a16="http://schemas.microsoft.com/office/drawing/2014/main" id="{A0246A5E-609D-4EC7-A812-94599ACBF997}"/>
+              </a:ext>
+            </a:extLst>
+          </p:cNvPr>
+          <p:cNvCxnSpPr>
+            <a:cxnSpLocks/>
+          </p:cNvCxnSpPr>
+          <p:nvPr/>
+        </p:nvCxnSpPr>
+        <p:spPr>
+          <a:xfrm>
+            <a:off x="5034819" y="5219729"/>
+            <a:ext cx="685133" cy="0"/>
+          </a:xfrm>
+          <a:prstGeom prst="line">
+            <a:avLst/>
+          </a:prstGeom>
+          <a:ln w="19050"/>
+        </p:spPr>
+        <p:style>
+          <a:lnRef idx="1">
+            <a:schemeClr val="accent1"/>
+          </a:lnRef>
+          <a:fillRef idx="0">
+            <a:schemeClr val="accent1"/>
+          </a:fillRef>
+          <a:effectRef idx="0">
+            <a:schemeClr val="accent1"/>
+          </a:effectRef>
+          <a:fontRef idx="minor">
+            <a:schemeClr val="tx1"/>
+          </a:fontRef>
+        </p:style>
+      </p:cxnSp>
+      <p:cxnSp>
+        <p:nvCxnSpPr>
+          <p:cNvPr id="28" name="直接连接符 27">
+            <a:extLst>
+              <a:ext uri="{FF2B5EF4-FFF2-40B4-BE49-F238E27FC236}">
+                <a16:creationId xmlns:a16="http://schemas.microsoft.com/office/drawing/2014/main" id="{E92CAF34-9EFC-4D5F-AF50-4CC38C05C63D}"/>
+              </a:ext>
+            </a:extLst>
+          </p:cNvPr>
+          <p:cNvCxnSpPr>
+            <a:cxnSpLocks/>
+          </p:cNvCxnSpPr>
+          <p:nvPr/>
+        </p:nvCxnSpPr>
+        <p:spPr>
+          <a:xfrm flipV="1">
+            <a:off x="5709076" y="4880831"/>
+            <a:ext cx="476646" cy="342424"/>
+          </a:xfrm>
+          <a:prstGeom prst="line">
+            <a:avLst/>
+          </a:prstGeom>
+          <a:ln w="19050"/>
+        </p:spPr>
+        <p:style>
+          <a:lnRef idx="1">
+            <a:schemeClr val="accent1"/>
+          </a:lnRef>
+          <a:fillRef idx="0">
+            <a:schemeClr val="accent1"/>
+          </a:fillRef>
+          <a:effectRef idx="0">
+            <a:schemeClr val="accent1"/>
+          </a:effectRef>
+          <a:fontRef idx="minor">
+            <a:schemeClr val="tx1"/>
+          </a:fontRef>
+        </p:style>
+      </p:cxnSp>
+      <p:cxnSp>
+        <p:nvCxnSpPr>
+          <p:cNvPr id="29" name="直接连接符 28">
+            <a:extLst>
+              <a:ext uri="{FF2B5EF4-FFF2-40B4-BE49-F238E27FC236}">
+                <a16:creationId xmlns:a16="http://schemas.microsoft.com/office/drawing/2014/main" id="{FA9C2C78-7DFC-41EE-B4D3-6040DDEE63C8}"/>
+              </a:ext>
+            </a:extLst>
+          </p:cNvPr>
+          <p:cNvCxnSpPr>
+            <a:cxnSpLocks/>
+          </p:cNvCxnSpPr>
+          <p:nvPr/>
+        </p:nvCxnSpPr>
+        <p:spPr>
+          <a:xfrm>
+            <a:off x="6185722" y="5214969"/>
+            <a:ext cx="907415" cy="0"/>
+          </a:xfrm>
+          <a:prstGeom prst="line">
+            <a:avLst/>
+          </a:prstGeom>
+          <a:ln w="19050"/>
+        </p:spPr>
+        <p:style>
+          <a:lnRef idx="1">
+            <a:schemeClr val="accent1"/>
+          </a:lnRef>
+          <a:fillRef idx="0">
+            <a:schemeClr val="accent1"/>
+          </a:fillRef>
+          <a:effectRef idx="0">
+            <a:schemeClr val="accent1"/>
+          </a:effectRef>
+          <a:fontRef idx="minor">
+            <a:schemeClr val="tx1"/>
+          </a:fontRef>
+        </p:style>
+      </p:cxnSp>
+      <p:cxnSp>
+        <p:nvCxnSpPr>
+          <p:cNvPr id="30" name="直接连接符 29">
+            <a:extLst>
+              <a:ext uri="{FF2B5EF4-FFF2-40B4-BE49-F238E27FC236}">
+                <a16:creationId xmlns:a16="http://schemas.microsoft.com/office/drawing/2014/main" id="{824D2F92-18AC-4B05-A04A-06F16C2AF08C}"/>
+              </a:ext>
+            </a:extLst>
+          </p:cNvPr>
+          <p:cNvCxnSpPr>
+            <a:cxnSpLocks/>
+          </p:cNvCxnSpPr>
+          <p:nvPr/>
+        </p:nvCxnSpPr>
+        <p:spPr>
+          <a:xfrm>
+            <a:off x="7083074" y="5214969"/>
+            <a:ext cx="0" cy="480568"/>
+          </a:xfrm>
+          <a:prstGeom prst="line">
+            <a:avLst/>
+          </a:prstGeom>
+          <a:ln w="19050"/>
+        </p:spPr>
+        <p:style>
+          <a:lnRef idx="1">
+            <a:schemeClr val="accent1"/>
+          </a:lnRef>
+          <a:fillRef idx="0">
+            <a:schemeClr val="accent1"/>
+          </a:fillRef>
+          <a:effectRef idx="0">
+            <a:schemeClr val="accent1"/>
+          </a:effectRef>
+          <a:fontRef idx="minor">
+            <a:schemeClr val="tx1"/>
+          </a:fontRef>
+        </p:style>
+      </p:cxnSp>
+      <p:sp>
+        <p:nvSpPr>
+          <p:cNvPr id="31" name="椭圆 30">
+            <a:extLst>
+              <a:ext uri="{FF2B5EF4-FFF2-40B4-BE49-F238E27FC236}">
+                <a16:creationId xmlns:a16="http://schemas.microsoft.com/office/drawing/2014/main" id="{F92768F9-755E-425C-BD38-FBC6AB19B587}"/>
+              </a:ext>
+            </a:extLst>
+          </p:cNvPr>
+          <p:cNvSpPr>
+            <a:spLocks noChangeAspect="1"/>
+          </p:cNvSpPr>
+          <p:nvPr/>
+        </p:nvSpPr>
+        <p:spPr>
+          <a:xfrm>
+            <a:off x="6127302" y="4824952"/>
+            <a:ext cx="116840" cy="111756"/>
+          </a:xfrm>
+          <a:prstGeom prst="ellipse">
+            <a:avLst/>
+          </a:prstGeom>
+          <a:solidFill>
+            <a:srgbClr val="FF0000"/>
+          </a:solidFill>
+          <a:ln>
+            <a:solidFill>
+              <a:srgbClr val="FF0000"/>
+            </a:solidFill>
+          </a:ln>
+        </p:spPr>
+        <p:style>
+          <a:lnRef idx="2">
+            <a:schemeClr val="accent1">
+              <a:shade val="50000"/>
+            </a:schemeClr>
+          </a:lnRef>
+          <a:fillRef idx="1">
+            <a:schemeClr val="accent1"/>
+          </a:fillRef>
+          <a:effectRef idx="0">
+            <a:schemeClr val="accent1"/>
+          </a:effectRef>
+          <a:fontRef idx="minor">
+            <a:schemeClr val="lt1"/>
+          </a:fontRef>
+        </p:style>
+        <p:txBody>
+          <a:bodyPr rtlCol="0" anchor="ctr"/>
+          <a:lstStyle/>
+          <a:p>
+            <a:pPr algn="ctr"/>
+            <a:endParaRPr lang="en-US"/>
+          </a:p>
+        </p:txBody>
+      </p:sp>
+      <p:sp>
+        <p:nvSpPr>
+          <p:cNvPr id="36" name="椭圆 35">
+            <a:extLst>
+              <a:ext uri="{FF2B5EF4-FFF2-40B4-BE49-F238E27FC236}">
+                <a16:creationId xmlns:a16="http://schemas.microsoft.com/office/drawing/2014/main" id="{A598782D-1D16-42D9-99F4-0CCB3FDC29B5}"/>
+              </a:ext>
+            </a:extLst>
+          </p:cNvPr>
+          <p:cNvSpPr>
+            <a:spLocks noChangeAspect="1"/>
+          </p:cNvSpPr>
+          <p:nvPr/>
+        </p:nvSpPr>
+        <p:spPr>
+          <a:xfrm>
+            <a:off x="6156512" y="5159091"/>
+            <a:ext cx="116840" cy="111756"/>
+          </a:xfrm>
+          <a:prstGeom prst="ellipse">
+            <a:avLst/>
+          </a:prstGeom>
+          <a:solidFill>
+            <a:srgbClr val="FF0000"/>
+          </a:solidFill>
+          <a:ln>
+            <a:solidFill>
+              <a:srgbClr val="FF0000"/>
+            </a:solidFill>
+          </a:ln>
+        </p:spPr>
+        <p:style>
+          <a:lnRef idx="2">
+            <a:schemeClr val="accent1">
+              <a:shade val="50000"/>
+            </a:schemeClr>
+          </a:lnRef>
+          <a:fillRef idx="1">
+            <a:schemeClr val="accent1"/>
+          </a:fillRef>
+          <a:effectRef idx="0">
+            <a:schemeClr val="accent1"/>
+          </a:effectRef>
+          <a:fontRef idx="minor">
+            <a:schemeClr val="lt1"/>
+          </a:fontRef>
+        </p:style>
+        <p:txBody>
+          <a:bodyPr rtlCol="0" anchor="ctr"/>
+          <a:lstStyle/>
+          <a:p>
+            <a:pPr algn="ctr"/>
+            <a:endParaRPr lang="en-US"/>
+          </a:p>
+        </p:txBody>
+      </p:sp>
+      <p:sp>
+        <p:nvSpPr>
+          <p:cNvPr id="52" name="椭圆 51">
+            <a:extLst>
+              <a:ext uri="{FF2B5EF4-FFF2-40B4-BE49-F238E27FC236}">
+                <a16:creationId xmlns:a16="http://schemas.microsoft.com/office/drawing/2014/main" id="{EFB50B92-F0ED-42AA-8457-516944ACB82E}"/>
+              </a:ext>
+            </a:extLst>
+          </p:cNvPr>
+          <p:cNvSpPr>
+            <a:spLocks noChangeAspect="1"/>
+          </p:cNvSpPr>
+          <p:nvPr/>
+        </p:nvSpPr>
+        <p:spPr>
+          <a:xfrm>
+            <a:off x="4983055" y="5915549"/>
+            <a:ext cx="116840" cy="111756"/>
+          </a:xfrm>
+          <a:prstGeom prst="ellipse">
+            <a:avLst/>
+          </a:prstGeom>
+          <a:solidFill>
+            <a:srgbClr val="FF0000"/>
+          </a:solidFill>
+          <a:ln>
+            <a:solidFill>
+              <a:srgbClr val="FF0000"/>
+            </a:solidFill>
+          </a:ln>
+        </p:spPr>
+        <p:style>
+          <a:lnRef idx="2">
+            <a:schemeClr val="accent1">
+              <a:shade val="50000"/>
+            </a:schemeClr>
+          </a:lnRef>
+          <a:fillRef idx="1">
+            <a:schemeClr val="accent1"/>
+          </a:fillRef>
+          <a:effectRef idx="0">
+            <a:schemeClr val="accent1"/>
+          </a:effectRef>
+          <a:fontRef idx="minor">
+            <a:schemeClr val="lt1"/>
+          </a:fontRef>
+        </p:style>
+        <p:txBody>
+          <a:bodyPr rtlCol="0" anchor="ctr"/>
+          <a:lstStyle/>
+          <a:p>
+            <a:pPr algn="ctr"/>
+            <a:endParaRPr lang="en-US"/>
+          </a:p>
+        </p:txBody>
+      </p:sp>
+      <p:sp>
+        <p:nvSpPr>
+          <p:cNvPr id="53" name="文本框 52">
+            <a:extLst>
+              <a:ext uri="{FF2B5EF4-FFF2-40B4-BE49-F238E27FC236}">
+                <a16:creationId xmlns:a16="http://schemas.microsoft.com/office/drawing/2014/main" id="{BC8257CD-1F5D-4800-A14A-797F333CF225}"/>
+              </a:ext>
+            </a:extLst>
+          </p:cNvPr>
+          <p:cNvSpPr txBox="1"/>
+          <p:nvPr/>
+        </p:nvSpPr>
+        <p:spPr>
+          <a:xfrm>
+            <a:off x="5044343" y="5779141"/>
+            <a:ext cx="909095" cy="369332"/>
+          </a:xfrm>
+          <a:prstGeom prst="rect">
+            <a:avLst/>
+          </a:prstGeom>
+          <a:noFill/>
+        </p:spPr>
+        <p:txBody>
+          <a:bodyPr wrap="none" rtlCol="0">
+            <a:spAutoFit/>
+          </a:bodyPr>
+          <a:lstStyle/>
+          <a:p>
+            <a:r>
+              <a:rPr lang="en-US"/>
+              <a:t>Contact</a:t>
+            </a:r>
+          </a:p>
+        </p:txBody>
+      </p:sp>
     </p:spTree>
     <p:extLst>
       <p:ext uri="{BB962C8B-B14F-4D97-AF65-F5344CB8AC3E}">
         <p14:creationId xmlns:p14="http://schemas.microsoft.com/office/powerpoint/2010/main" val="2148718091"/>
+      </p:ext>
+    </p:extLst>
+  </p:cSld>
+  <p:clrMapOvr>
+    <a:masterClrMapping/>
+  </p:clrMapOvr>
+</p:sld>
+</file>
+
+<file path=ppt/slides/slide2.xml><?xml version="1.0" encoding="utf-8"?>
+<p:sld xmlns:a="http://schemas.openxmlformats.org/drawingml/2006/main" xmlns:r="http://schemas.openxmlformats.org/officeDocument/2006/relationships" xmlns:p="http://schemas.openxmlformats.org/presentationml/2006/main">
+  <p:cSld>
+    <p:spTree>
+      <p:nvGrpSpPr>
+        <p:cNvPr id="1" name=""/>
+        <p:cNvGrpSpPr/>
+        <p:nvPr/>
+      </p:nvGrpSpPr>
+      <p:grpSpPr>
+        <a:xfrm>
+          <a:off x="0" y="0"/>
+          <a:ext cx="0" cy="0"/>
+          <a:chOff x="0" y="0"/>
+          <a:chExt cx="0" cy="0"/>
+        </a:xfrm>
+      </p:grpSpPr>
+    </p:spTree>
+    <p:extLst>
+      <p:ext uri="{BB962C8B-B14F-4D97-AF65-F5344CB8AC3E}">
+        <p14:creationId xmlns:p14="http://schemas.microsoft.com/office/powerpoint/2010/main" val="205479681"/>
       </p:ext>
     </p:extLst>
   </p:cSld>

--- a/img/drawing.pptx
+++ b/img/drawing.pptx
@@ -288,7 +288,7 @@
           <a:p>
             <a:fld id="{0D3A1665-5C83-433F-9DC2-7B351F6DD1FA}" type="datetimeFigureOut">
               <a:rPr lang="en-US" smtClean="0"/>
-              <a:t>2/3/2019</a:t>
+              <a:t>2/11/2019</a:t>
             </a:fld>
             <a:endParaRPr lang="en-US"/>
           </a:p>
@@ -488,7 +488,7 @@
           <a:p>
             <a:fld id="{0D3A1665-5C83-433F-9DC2-7B351F6DD1FA}" type="datetimeFigureOut">
               <a:rPr lang="en-US" smtClean="0"/>
-              <a:t>2/3/2019</a:t>
+              <a:t>2/11/2019</a:t>
             </a:fld>
             <a:endParaRPr lang="en-US"/>
           </a:p>
@@ -698,7 +698,7 @@
           <a:p>
             <a:fld id="{0D3A1665-5C83-433F-9DC2-7B351F6DD1FA}" type="datetimeFigureOut">
               <a:rPr lang="en-US" smtClean="0"/>
-              <a:t>2/3/2019</a:t>
+              <a:t>2/11/2019</a:t>
             </a:fld>
             <a:endParaRPr lang="en-US"/>
           </a:p>
@@ -898,7 +898,7 @@
           <a:p>
             <a:fld id="{0D3A1665-5C83-433F-9DC2-7B351F6DD1FA}" type="datetimeFigureOut">
               <a:rPr lang="en-US" smtClean="0"/>
-              <a:t>2/3/2019</a:t>
+              <a:t>2/11/2019</a:t>
             </a:fld>
             <a:endParaRPr lang="en-US"/>
           </a:p>
@@ -1174,7 +1174,7 @@
           <a:p>
             <a:fld id="{0D3A1665-5C83-433F-9DC2-7B351F6DD1FA}" type="datetimeFigureOut">
               <a:rPr lang="en-US" smtClean="0"/>
-              <a:t>2/3/2019</a:t>
+              <a:t>2/11/2019</a:t>
             </a:fld>
             <a:endParaRPr lang="en-US"/>
           </a:p>
@@ -1442,7 +1442,7 @@
           <a:p>
             <a:fld id="{0D3A1665-5C83-433F-9DC2-7B351F6DD1FA}" type="datetimeFigureOut">
               <a:rPr lang="en-US" smtClean="0"/>
-              <a:t>2/3/2019</a:t>
+              <a:t>2/11/2019</a:t>
             </a:fld>
             <a:endParaRPr lang="en-US"/>
           </a:p>
@@ -1857,7 +1857,7 @@
           <a:p>
             <a:fld id="{0D3A1665-5C83-433F-9DC2-7B351F6DD1FA}" type="datetimeFigureOut">
               <a:rPr lang="en-US" smtClean="0"/>
-              <a:t>2/3/2019</a:t>
+              <a:t>2/11/2019</a:t>
             </a:fld>
             <a:endParaRPr lang="en-US"/>
           </a:p>
@@ -1999,7 +1999,7 @@
           <a:p>
             <a:fld id="{0D3A1665-5C83-433F-9DC2-7B351F6DD1FA}" type="datetimeFigureOut">
               <a:rPr lang="en-US" smtClean="0"/>
-              <a:t>2/3/2019</a:t>
+              <a:t>2/11/2019</a:t>
             </a:fld>
             <a:endParaRPr lang="en-US"/>
           </a:p>
@@ -2112,7 +2112,7 @@
           <a:p>
             <a:fld id="{0D3A1665-5C83-433F-9DC2-7B351F6DD1FA}" type="datetimeFigureOut">
               <a:rPr lang="en-US" smtClean="0"/>
-              <a:t>2/3/2019</a:t>
+              <a:t>2/11/2019</a:t>
             </a:fld>
             <a:endParaRPr lang="en-US"/>
           </a:p>
@@ -2425,7 +2425,7 @@
           <a:p>
             <a:fld id="{0D3A1665-5C83-433F-9DC2-7B351F6DD1FA}" type="datetimeFigureOut">
               <a:rPr lang="en-US" smtClean="0"/>
-              <a:t>2/3/2019</a:t>
+              <a:t>2/11/2019</a:t>
             </a:fld>
             <a:endParaRPr lang="en-US"/>
           </a:p>
@@ -2714,7 +2714,7 @@
           <a:p>
             <a:fld id="{0D3A1665-5C83-433F-9DC2-7B351F6DD1FA}" type="datetimeFigureOut">
               <a:rPr lang="en-US" smtClean="0"/>
-              <a:t>2/3/2019</a:t>
+              <a:t>2/11/2019</a:t>
             </a:fld>
             <a:endParaRPr lang="en-US"/>
           </a:p>
@@ -2957,7 +2957,7 @@
           <a:p>
             <a:fld id="{0D3A1665-5C83-433F-9DC2-7B351F6DD1FA}" type="datetimeFigureOut">
               <a:rPr lang="en-US" smtClean="0"/>
-              <a:t>2/3/2019</a:t>
+              <a:t>2/11/2019</a:t>
             </a:fld>
             <a:endParaRPr lang="en-US"/>
           </a:p>
